--- a/wchain设计图.pptx
+++ b/wchain设计图.pptx
@@ -206,7 +206,7 @@
           <a:p>
             <a:fld id="{61C7B790-09C0-41EB-AE06-12464466475F}" type="datetimeFigureOut">
               <a:rPr lang="zh-CN" altLang="en-US" smtClean="0"/>
-              <a:t>2019/12/15</a:t>
+              <a:t>2020/4/30</a:t>
             </a:fld>
             <a:endParaRPr lang="zh-CN" altLang="en-US"/>
           </a:p>
@@ -707,7 +707,7 @@
           <a:p>
             <a:fld id="{87B7CC28-A81F-4485-B7B9-A8E70C0181F8}" type="datetimeFigureOut">
               <a:rPr lang="zh-CN" altLang="en-US" smtClean="0"/>
-              <a:t>2019/12/15</a:t>
+              <a:t>2020/4/30</a:t>
             </a:fld>
             <a:endParaRPr lang="zh-CN" altLang="en-US"/>
           </a:p>
@@ -905,7 +905,7 @@
           <a:p>
             <a:fld id="{87B7CC28-A81F-4485-B7B9-A8E70C0181F8}" type="datetimeFigureOut">
               <a:rPr lang="zh-CN" altLang="en-US" smtClean="0"/>
-              <a:t>2019/12/15</a:t>
+              <a:t>2020/4/30</a:t>
             </a:fld>
             <a:endParaRPr lang="zh-CN" altLang="en-US"/>
           </a:p>
@@ -1113,7 +1113,7 @@
           <a:p>
             <a:fld id="{87B7CC28-A81F-4485-B7B9-A8E70C0181F8}" type="datetimeFigureOut">
               <a:rPr lang="zh-CN" altLang="en-US" smtClean="0"/>
-              <a:t>2019/12/15</a:t>
+              <a:t>2020/4/30</a:t>
             </a:fld>
             <a:endParaRPr lang="zh-CN" altLang="en-US"/>
           </a:p>
@@ -1311,7 +1311,7 @@
           <a:p>
             <a:fld id="{87B7CC28-A81F-4485-B7B9-A8E70C0181F8}" type="datetimeFigureOut">
               <a:rPr lang="zh-CN" altLang="en-US" smtClean="0"/>
-              <a:t>2019/12/15</a:t>
+              <a:t>2020/4/30</a:t>
             </a:fld>
             <a:endParaRPr lang="zh-CN" altLang="en-US"/>
           </a:p>
@@ -1586,7 +1586,7 @@
           <a:p>
             <a:fld id="{87B7CC28-A81F-4485-B7B9-A8E70C0181F8}" type="datetimeFigureOut">
               <a:rPr lang="zh-CN" altLang="en-US" smtClean="0"/>
-              <a:t>2019/12/15</a:t>
+              <a:t>2020/4/30</a:t>
             </a:fld>
             <a:endParaRPr lang="zh-CN" altLang="en-US"/>
           </a:p>
@@ -1851,7 +1851,7 @@
           <a:p>
             <a:fld id="{87B7CC28-A81F-4485-B7B9-A8E70C0181F8}" type="datetimeFigureOut">
               <a:rPr lang="zh-CN" altLang="en-US" smtClean="0"/>
-              <a:t>2019/12/15</a:t>
+              <a:t>2020/4/30</a:t>
             </a:fld>
             <a:endParaRPr lang="zh-CN" altLang="en-US"/>
           </a:p>
@@ -2263,7 +2263,7 @@
           <a:p>
             <a:fld id="{87B7CC28-A81F-4485-B7B9-A8E70C0181F8}" type="datetimeFigureOut">
               <a:rPr lang="zh-CN" altLang="en-US" smtClean="0"/>
-              <a:t>2019/12/15</a:t>
+              <a:t>2020/4/30</a:t>
             </a:fld>
             <a:endParaRPr lang="zh-CN" altLang="en-US"/>
           </a:p>
@@ -2404,7 +2404,7 @@
           <a:p>
             <a:fld id="{87B7CC28-A81F-4485-B7B9-A8E70C0181F8}" type="datetimeFigureOut">
               <a:rPr lang="zh-CN" altLang="en-US" smtClean="0"/>
-              <a:t>2019/12/15</a:t>
+              <a:t>2020/4/30</a:t>
             </a:fld>
             <a:endParaRPr lang="zh-CN" altLang="en-US"/>
           </a:p>
@@ -2517,7 +2517,7 @@
           <a:p>
             <a:fld id="{87B7CC28-A81F-4485-B7B9-A8E70C0181F8}" type="datetimeFigureOut">
               <a:rPr lang="zh-CN" altLang="en-US" smtClean="0"/>
-              <a:t>2019/12/15</a:t>
+              <a:t>2020/4/30</a:t>
             </a:fld>
             <a:endParaRPr lang="zh-CN" altLang="en-US"/>
           </a:p>
@@ -2828,7 +2828,7 @@
           <a:p>
             <a:fld id="{87B7CC28-A81F-4485-B7B9-A8E70C0181F8}" type="datetimeFigureOut">
               <a:rPr lang="zh-CN" altLang="en-US" smtClean="0"/>
-              <a:t>2019/12/15</a:t>
+              <a:t>2020/4/30</a:t>
             </a:fld>
             <a:endParaRPr lang="zh-CN" altLang="en-US"/>
           </a:p>
@@ -3116,7 +3116,7 @@
           <a:p>
             <a:fld id="{87B7CC28-A81F-4485-B7B9-A8E70C0181F8}" type="datetimeFigureOut">
               <a:rPr lang="zh-CN" altLang="en-US" smtClean="0"/>
-              <a:t>2019/12/15</a:t>
+              <a:t>2020/4/30</a:t>
             </a:fld>
             <a:endParaRPr lang="zh-CN" altLang="en-US"/>
           </a:p>
@@ -3357,7 +3357,7 @@
           <a:p>
             <a:fld id="{87B7CC28-A81F-4485-B7B9-A8E70C0181F8}" type="datetimeFigureOut">
               <a:rPr lang="zh-CN" altLang="en-US" smtClean="0"/>
-              <a:t>2019/12/15</a:t>
+              <a:t>2020/4/30</a:t>
             </a:fld>
             <a:endParaRPr lang="zh-CN" altLang="en-US"/>
           </a:p>
@@ -5737,14 +5737,14 @@
               </a:prstGeom>
             </p:spPr>
             <p:style>
-              <a:lnRef idx="1">
-                <a:schemeClr val="accent3"/>
+              <a:lnRef idx="2">
+                <a:schemeClr val="dk1"/>
               </a:lnRef>
-              <a:fillRef idx="2">
-                <a:schemeClr val="accent3"/>
+              <a:fillRef idx="1">
+                <a:schemeClr val="lt1"/>
               </a:fillRef>
-              <a:effectRef idx="1">
-                <a:schemeClr val="accent3"/>
+              <a:effectRef idx="0">
+                <a:schemeClr val="dk1"/>
               </a:effectRef>
               <a:fontRef idx="minor">
                 <a:schemeClr val="dk1"/>
@@ -5791,7 +5791,24 @@
                 <a:avLst/>
               </a:prstGeom>
               <a:noFill/>
+              <a:ln>
+                <a:noFill/>
+              </a:ln>
             </p:spPr>
+            <p:style>
+              <a:lnRef idx="0">
+                <a:scrgbClr r="0" g="0" b="0"/>
+              </a:lnRef>
+              <a:fillRef idx="0">
+                <a:scrgbClr r="0" g="0" b="0"/>
+              </a:fillRef>
+              <a:effectRef idx="0">
+                <a:scrgbClr r="0" g="0" b="0"/>
+              </a:effectRef>
+              <a:fontRef idx="minor">
+                <a:schemeClr val="dk1"/>
+              </a:fontRef>
+            </p:style>
             <p:txBody>
               <a:bodyPr wrap="square" rtlCol="0">
                 <a:spAutoFit/>
@@ -5827,7 +5844,24 @@
                 <a:avLst/>
               </a:prstGeom>
               <a:noFill/>
+              <a:ln>
+                <a:noFill/>
+              </a:ln>
             </p:spPr>
+            <p:style>
+              <a:lnRef idx="0">
+                <a:scrgbClr r="0" g="0" b="0"/>
+              </a:lnRef>
+              <a:fillRef idx="0">
+                <a:scrgbClr r="0" g="0" b="0"/>
+              </a:fillRef>
+              <a:effectRef idx="0">
+                <a:scrgbClr r="0" g="0" b="0"/>
+              </a:effectRef>
+              <a:fontRef idx="minor">
+                <a:schemeClr val="dk1"/>
+              </a:fontRef>
+            </p:style>
             <p:txBody>
               <a:bodyPr wrap="square" rtlCol="0">
                 <a:spAutoFit/>
@@ -5863,14 +5897,14 @@
               </a:prstGeom>
             </p:spPr>
             <p:style>
-              <a:lnRef idx="1">
-                <a:schemeClr val="accent3"/>
+              <a:lnRef idx="2">
+                <a:schemeClr val="dk1"/>
               </a:lnRef>
-              <a:fillRef idx="2">
-                <a:schemeClr val="accent3"/>
+              <a:fillRef idx="1">
+                <a:schemeClr val="lt1"/>
               </a:fillRef>
-              <a:effectRef idx="1">
-                <a:schemeClr val="accent3"/>
+              <a:effectRef idx="0">
+                <a:schemeClr val="dk1"/>
               </a:effectRef>
               <a:fontRef idx="minor">
                 <a:schemeClr val="dk1"/>
@@ -5910,14 +5944,14 @@
               </a:prstGeom>
             </p:spPr>
             <p:style>
-              <a:lnRef idx="1">
-                <a:schemeClr val="accent3"/>
+              <a:lnRef idx="2">
+                <a:schemeClr val="dk1"/>
               </a:lnRef>
-              <a:fillRef idx="2">
-                <a:schemeClr val="accent3"/>
+              <a:fillRef idx="1">
+                <a:schemeClr val="lt1"/>
               </a:fillRef>
-              <a:effectRef idx="1">
-                <a:schemeClr val="accent3"/>
+              <a:effectRef idx="0">
+                <a:schemeClr val="dk1"/>
               </a:effectRef>
               <a:fontRef idx="minor">
                 <a:schemeClr val="dk1"/>
@@ -5978,14 +6012,14 @@
               </a:prstGeom>
             </p:spPr>
             <p:style>
-              <a:lnRef idx="1">
-                <a:schemeClr val="accent3"/>
+              <a:lnRef idx="2">
+                <a:schemeClr val="dk1"/>
               </a:lnRef>
-              <a:fillRef idx="2">
-                <a:schemeClr val="accent3"/>
+              <a:fillRef idx="1">
+                <a:schemeClr val="lt1"/>
               </a:fillRef>
-              <a:effectRef idx="1">
-                <a:schemeClr val="accent3"/>
+              <a:effectRef idx="0">
+                <a:schemeClr val="dk1"/>
               </a:effectRef>
               <a:fontRef idx="minor">
                 <a:schemeClr val="dk1"/>
@@ -6027,14 +6061,14 @@
               </a:prstGeom>
             </p:spPr>
             <p:style>
-              <a:lnRef idx="1">
-                <a:schemeClr val="accent3"/>
+              <a:lnRef idx="2">
+                <a:schemeClr val="dk1"/>
               </a:lnRef>
-              <a:fillRef idx="2">
-                <a:schemeClr val="accent3"/>
+              <a:fillRef idx="1">
+                <a:schemeClr val="lt1"/>
               </a:fillRef>
-              <a:effectRef idx="1">
-                <a:schemeClr val="accent3"/>
+              <a:effectRef idx="0">
+                <a:schemeClr val="dk1"/>
               </a:effectRef>
               <a:fontRef idx="minor">
                 <a:schemeClr val="dk1"/>
@@ -6076,14 +6110,14 @@
               </a:prstGeom>
             </p:spPr>
             <p:style>
-              <a:lnRef idx="1">
-                <a:schemeClr val="accent3"/>
+              <a:lnRef idx="2">
+                <a:schemeClr val="dk1"/>
               </a:lnRef>
-              <a:fillRef idx="2">
-                <a:schemeClr val="accent3"/>
+              <a:fillRef idx="1">
+                <a:schemeClr val="lt1"/>
               </a:fillRef>
-              <a:effectRef idx="1">
-                <a:schemeClr val="accent3"/>
+              <a:effectRef idx="0">
+                <a:schemeClr val="dk1"/>
               </a:effectRef>
               <a:fontRef idx="minor">
                 <a:schemeClr val="dk1"/>
@@ -6125,14 +6159,14 @@
               </a:prstGeom>
             </p:spPr>
             <p:style>
-              <a:lnRef idx="1">
-                <a:schemeClr val="accent3"/>
+              <a:lnRef idx="2">
+                <a:schemeClr val="dk1"/>
               </a:lnRef>
-              <a:fillRef idx="2">
-                <a:schemeClr val="accent3"/>
+              <a:fillRef idx="1">
+                <a:schemeClr val="lt1"/>
               </a:fillRef>
-              <a:effectRef idx="1">
-                <a:schemeClr val="accent3"/>
+              <a:effectRef idx="0">
+                <a:schemeClr val="dk1"/>
               </a:effectRef>
               <a:fontRef idx="minor">
                 <a:schemeClr val="dk1"/>
@@ -6174,14 +6208,14 @@
               </a:prstGeom>
             </p:spPr>
             <p:style>
-              <a:lnRef idx="1">
-                <a:schemeClr val="accent3"/>
+              <a:lnRef idx="2">
+                <a:schemeClr val="dk1"/>
               </a:lnRef>
-              <a:fillRef idx="2">
-                <a:schemeClr val="accent3"/>
+              <a:fillRef idx="1">
+                <a:schemeClr val="lt1"/>
               </a:fillRef>
-              <a:effectRef idx="1">
-                <a:schemeClr val="accent3"/>
+              <a:effectRef idx="0">
+                <a:schemeClr val="dk1"/>
               </a:effectRef>
               <a:fontRef idx="minor">
                 <a:schemeClr val="dk1"/>
@@ -6223,14 +6257,14 @@
               </a:prstGeom>
             </p:spPr>
             <p:style>
-              <a:lnRef idx="1">
-                <a:schemeClr val="accent3"/>
+              <a:lnRef idx="2">
+                <a:schemeClr val="dk1"/>
               </a:lnRef>
-              <a:fillRef idx="2">
-                <a:schemeClr val="accent3"/>
+              <a:fillRef idx="1">
+                <a:schemeClr val="lt1"/>
               </a:fillRef>
-              <a:effectRef idx="1">
-                <a:schemeClr val="accent3"/>
+              <a:effectRef idx="0">
+                <a:schemeClr val="dk1"/>
               </a:effectRef>
               <a:fontRef idx="minor">
                 <a:schemeClr val="dk1"/>
@@ -6272,14 +6306,14 @@
               </a:prstGeom>
             </p:spPr>
             <p:style>
-              <a:lnRef idx="1">
-                <a:schemeClr val="accent3"/>
+              <a:lnRef idx="2">
+                <a:schemeClr val="dk1"/>
               </a:lnRef>
-              <a:fillRef idx="2">
-                <a:schemeClr val="accent3"/>
+              <a:fillRef idx="1">
+                <a:schemeClr val="lt1"/>
               </a:fillRef>
-              <a:effectRef idx="1">
-                <a:schemeClr val="accent3"/>
+              <a:effectRef idx="0">
+                <a:schemeClr val="dk1"/>
               </a:effectRef>
               <a:fontRef idx="minor">
                 <a:schemeClr val="dk1"/>
@@ -6321,14 +6355,14 @@
               </a:prstGeom>
             </p:spPr>
             <p:style>
-              <a:lnRef idx="1">
-                <a:schemeClr val="accent3"/>
+              <a:lnRef idx="2">
+                <a:schemeClr val="dk1"/>
               </a:lnRef>
-              <a:fillRef idx="2">
-                <a:schemeClr val="accent3"/>
+              <a:fillRef idx="1">
+                <a:schemeClr val="lt1"/>
               </a:fillRef>
-              <a:effectRef idx="1">
-                <a:schemeClr val="accent3"/>
+              <a:effectRef idx="0">
+                <a:schemeClr val="dk1"/>
               </a:effectRef>
               <a:fontRef idx="minor">
                 <a:schemeClr val="dk1"/>
@@ -6370,14 +6404,14 @@
               </a:prstGeom>
             </p:spPr>
             <p:style>
-              <a:lnRef idx="1">
-                <a:schemeClr val="accent3"/>
+              <a:lnRef idx="2">
+                <a:schemeClr val="dk1"/>
               </a:lnRef>
-              <a:fillRef idx="2">
-                <a:schemeClr val="accent3"/>
+              <a:fillRef idx="1">
+                <a:schemeClr val="lt1"/>
               </a:fillRef>
-              <a:effectRef idx="1">
-                <a:schemeClr val="accent3"/>
+              <a:effectRef idx="0">
+                <a:schemeClr val="dk1"/>
               </a:effectRef>
               <a:fontRef idx="minor">
                 <a:schemeClr val="dk1"/>
@@ -6391,125 +6425,6 @@
                 <a:r>
                   <a:rPr lang="zh-CN" altLang="en-US" dirty="0"/>
                   <a:t>中间件</a:t>
-                </a:r>
-              </a:p>
-            </p:txBody>
-          </p:sp>
-        </p:grpSp>
-        <p:grpSp>
-          <p:nvGrpSpPr>
-            <p:cNvPr id="22" name="组合 21">
-              <a:extLst>
-                <a:ext uri="{FF2B5EF4-FFF2-40B4-BE49-F238E27FC236}">
-                  <a16:creationId xmlns:a16="http://schemas.microsoft.com/office/drawing/2014/main" id="{1B4868B5-B34D-4DCC-B37F-774B03C3768C}"/>
-                </a:ext>
-              </a:extLst>
-            </p:cNvPr>
-            <p:cNvGrpSpPr/>
-            <p:nvPr/>
-          </p:nvGrpSpPr>
-          <p:grpSpPr>
-            <a:xfrm>
-              <a:off x="2245011" y="2011375"/>
-              <a:ext cx="2723666" cy="2054674"/>
-              <a:chOff x="2245011" y="2011375"/>
-              <a:chExt cx="2723666" cy="2054674"/>
-            </a:xfrm>
-          </p:grpSpPr>
-          <p:sp>
-            <p:nvSpPr>
-              <p:cNvPr id="20" name="箭头: 直角上 19">
-                <a:extLst>
-                  <a:ext uri="{FF2B5EF4-FFF2-40B4-BE49-F238E27FC236}">
-                    <a16:creationId xmlns:a16="http://schemas.microsoft.com/office/drawing/2014/main" id="{1E27C3F7-0BF4-4B7C-9B25-A53C1F48F6CC}"/>
-                  </a:ext>
-                </a:extLst>
-              </p:cNvPr>
-              <p:cNvSpPr/>
-              <p:nvPr/>
-            </p:nvSpPr>
-            <p:spPr>
-              <a:xfrm rot="5400000">
-                <a:off x="3194582" y="2291954"/>
-                <a:ext cx="1325562" cy="2222628"/>
-              </a:xfrm>
-              <a:prstGeom prst="bentUpArrow">
-                <a:avLst/>
-              </a:prstGeom>
-            </p:spPr>
-            <p:style>
-              <a:lnRef idx="1">
-                <a:schemeClr val="accent3"/>
-              </a:lnRef>
-              <a:fillRef idx="2">
-                <a:schemeClr val="accent3"/>
-              </a:fillRef>
-              <a:effectRef idx="1">
-                <a:schemeClr val="accent3"/>
-              </a:effectRef>
-              <a:fontRef idx="minor">
-                <a:schemeClr val="dk1"/>
-              </a:fontRef>
-            </p:style>
-            <p:txBody>
-              <a:bodyPr vert="vert270" rtlCol="0" anchor="ctr"/>
-              <a:lstStyle/>
-              <a:p>
-                <a:pPr algn="ctr"/>
-                <a:r>
-                  <a:rPr lang="zh-CN" altLang="en-US" dirty="0"/>
-                  <a:t>注入</a:t>
-                </a:r>
-              </a:p>
-            </p:txBody>
-          </p:sp>
-          <p:sp>
-            <p:nvSpPr>
-              <p:cNvPr id="21" name="立方体 20">
-                <a:extLst>
-                  <a:ext uri="{FF2B5EF4-FFF2-40B4-BE49-F238E27FC236}">
-                    <a16:creationId xmlns:a16="http://schemas.microsoft.com/office/drawing/2014/main" id="{7BEA6674-D522-4598-AABA-48E901809EDC}"/>
-                  </a:ext>
-                </a:extLst>
-              </p:cNvPr>
-              <p:cNvSpPr/>
-              <p:nvPr/>
-            </p:nvSpPr>
-            <p:spPr>
-              <a:xfrm>
-                <a:off x="2245011" y="2011375"/>
-                <a:ext cx="1492610" cy="729112"/>
-              </a:xfrm>
-              <a:prstGeom prst="cube">
-                <a:avLst/>
-              </a:prstGeom>
-            </p:spPr>
-            <p:style>
-              <a:lnRef idx="1">
-                <a:schemeClr val="dk1"/>
-              </a:lnRef>
-              <a:fillRef idx="2">
-                <a:schemeClr val="dk1"/>
-              </a:fillRef>
-              <a:effectRef idx="1">
-                <a:schemeClr val="dk1"/>
-              </a:effectRef>
-              <a:fontRef idx="minor">
-                <a:schemeClr val="dk1"/>
-              </a:fontRef>
-            </p:style>
-            <p:txBody>
-              <a:bodyPr rtlCol="0" anchor="ctr"/>
-              <a:lstStyle/>
-              <a:p>
-                <a:pPr algn="ctr"/>
-                <a:r>
-                  <a:rPr lang="en-US" altLang="zh-CN" sz="1600" dirty="0" err="1"/>
-                  <a:t>wchain</a:t>
-                </a:r>
-                <a:r>
-                  <a:rPr lang="zh-CN" altLang="en-US" sz="1600" dirty="0"/>
-                  <a:t>组件控制器</a:t>
                 </a:r>
               </a:p>
             </p:txBody>
@@ -6906,13 +6821,13 @@
           </p:spPr>
           <p:style>
             <a:lnRef idx="1">
-              <a:schemeClr val="dk1"/>
+              <a:schemeClr val="accent3"/>
             </a:lnRef>
             <a:fillRef idx="2">
-              <a:schemeClr val="dk1"/>
+              <a:schemeClr val="accent3"/>
             </a:fillRef>
             <a:effectRef idx="1">
-              <a:schemeClr val="dk1"/>
+              <a:schemeClr val="accent3"/>
             </a:effectRef>
             <a:fontRef idx="minor">
               <a:schemeClr val="dk1"/>
@@ -6957,13 +6872,13 @@
           </p:spPr>
           <p:style>
             <a:lnRef idx="1">
-              <a:schemeClr val="dk1"/>
+              <a:schemeClr val="accent3"/>
             </a:lnRef>
             <a:fillRef idx="2">
-              <a:schemeClr val="dk1"/>
+              <a:schemeClr val="accent3"/>
             </a:fillRef>
             <a:effectRef idx="1">
-              <a:schemeClr val="dk1"/>
+              <a:schemeClr val="accent3"/>
             </a:effectRef>
             <a:fontRef idx="minor">
               <a:schemeClr val="dk1"/>
@@ -7008,13 +6923,13 @@
           </p:spPr>
           <p:style>
             <a:lnRef idx="1">
-              <a:schemeClr val="dk1"/>
+              <a:schemeClr val="accent3"/>
             </a:lnRef>
             <a:fillRef idx="2">
-              <a:schemeClr val="dk1"/>
+              <a:schemeClr val="accent3"/>
             </a:fillRef>
             <a:effectRef idx="1">
-              <a:schemeClr val="dk1"/>
+              <a:schemeClr val="accent3"/>
             </a:effectRef>
             <a:fontRef idx="minor">
               <a:schemeClr val="dk1"/>
@@ -7055,13 +6970,13 @@
           </p:spPr>
           <p:style>
             <a:lnRef idx="1">
-              <a:schemeClr val="dk1"/>
+              <a:schemeClr val="accent3"/>
             </a:lnRef>
             <a:fillRef idx="2">
-              <a:schemeClr val="dk1"/>
+              <a:schemeClr val="accent3"/>
             </a:fillRef>
             <a:effectRef idx="1">
-              <a:schemeClr val="dk1"/>
+              <a:schemeClr val="accent3"/>
             </a:effectRef>
             <a:fontRef idx="minor">
               <a:schemeClr val="dk1"/>
@@ -8801,13 +8716,13 @@
         </p:spPr>
         <p:style>
           <a:lnRef idx="1">
-            <a:schemeClr val="dk1"/>
+            <a:schemeClr val="accent3"/>
           </a:lnRef>
           <a:fillRef idx="2">
-            <a:schemeClr val="dk1"/>
+            <a:schemeClr val="accent3"/>
           </a:fillRef>
           <a:effectRef idx="1">
-            <a:schemeClr val="dk1"/>
+            <a:schemeClr val="accent3"/>
           </a:effectRef>
           <a:fontRef idx="minor">
             <a:schemeClr val="dk1"/>
@@ -9013,14 +8928,14 @@
           </a:prstGeom>
         </p:spPr>
         <p:style>
-          <a:lnRef idx="1">
-            <a:schemeClr val="accent3"/>
+          <a:lnRef idx="2">
+            <a:schemeClr val="dk1"/>
           </a:lnRef>
-          <a:fillRef idx="2">
-            <a:schemeClr val="accent3"/>
+          <a:fillRef idx="1">
+            <a:schemeClr val="lt1"/>
           </a:fillRef>
-          <a:effectRef idx="1">
-            <a:schemeClr val="accent3"/>
+          <a:effectRef idx="0">
+            <a:schemeClr val="dk1"/>
           </a:effectRef>
           <a:fontRef idx="minor">
             <a:schemeClr val="dk1"/>
@@ -9101,161 +9016,6 @@
             <a:off x="6336151" y="2549991"/>
             <a:ext cx="5262937" cy="3195164"/>
           </a:xfrm>
-        </p:spPr>
-        <p:style>
-          <a:lnRef idx="0">
-            <a:schemeClr val="dk1"/>
-          </a:lnRef>
-          <a:fillRef idx="3">
-            <a:schemeClr val="dk1"/>
-          </a:fillRef>
-          <a:effectRef idx="3">
-            <a:schemeClr val="dk1"/>
-          </a:effectRef>
-          <a:fontRef idx="minor">
-            <a:schemeClr val="lt1"/>
-          </a:fontRef>
-        </p:style>
-        <p:txBody>
-          <a:bodyPr>
-            <a:normAutofit/>
-          </a:bodyPr>
-          <a:lstStyle/>
-          <a:p>
-            <a:pPr marL="0" indent="0">
-              <a:buNone/>
-            </a:pPr>
-            <a:r>
-              <a:rPr lang="en-US" altLang="zh-CN" sz="2000" dirty="0"/>
-              <a:t>function Middleware(meta, stream, next, end){</a:t>
-            </a:r>
-          </a:p>
-          <a:p>
-            <a:pPr marL="0" indent="0">
-              <a:buNone/>
-            </a:pPr>
-            <a:r>
-              <a:rPr lang="en-US" altLang="zh-CN" sz="2000" dirty="0"/>
-              <a:t>	</a:t>
-            </a:r>
-            <a:r>
-              <a:rPr lang="zh-CN" altLang="en-US" sz="2000" dirty="0"/>
-              <a:t>非流式处理</a:t>
-            </a:r>
-            <a:r>
-              <a:rPr lang="en-US" altLang="zh-CN" sz="2000" dirty="0"/>
-              <a:t>meta……</a:t>
-            </a:r>
-          </a:p>
-          <a:p>
-            <a:pPr marL="0" indent="0">
-              <a:buNone/>
-            </a:pPr>
-            <a:r>
-              <a:rPr lang="en-US" altLang="zh-CN" sz="2000" dirty="0"/>
-              <a:t>	</a:t>
-            </a:r>
-            <a:r>
-              <a:rPr lang="zh-CN" altLang="en-US" sz="2000" dirty="0"/>
-              <a:t>流式处理</a:t>
-            </a:r>
-            <a:r>
-              <a:rPr lang="en-US" altLang="zh-CN" sz="2000" dirty="0"/>
-              <a:t>stream……</a:t>
-            </a:r>
-          </a:p>
-          <a:p>
-            <a:pPr marL="0" indent="0">
-              <a:buNone/>
-            </a:pPr>
-            <a:r>
-              <a:rPr lang="en-US" altLang="zh-CN" sz="2000" dirty="0"/>
-              <a:t>	</a:t>
-            </a:r>
-            <a:r>
-              <a:rPr lang="zh-CN" altLang="en-US" sz="2000" dirty="0"/>
-              <a:t>输出</a:t>
-            </a:r>
-            <a:r>
-              <a:rPr lang="en-US" altLang="zh-CN" sz="2000" dirty="0"/>
-              <a:t>(meta)</a:t>
-            </a:r>
-          </a:p>
-          <a:p>
-            <a:pPr marL="0" indent="0">
-              <a:buNone/>
-            </a:pPr>
-            <a:r>
-              <a:rPr lang="en-US" altLang="zh-CN" sz="2000" dirty="0"/>
-              <a:t>	</a:t>
-            </a:r>
-            <a:r>
-              <a:rPr lang="en-US" altLang="zh-CN" sz="2000" dirty="0" err="1"/>
-              <a:t>stream.pipe</a:t>
-            </a:r>
-            <a:r>
-              <a:rPr lang="en-US" altLang="zh-CN" sz="2000" dirty="0"/>
-              <a:t>(</a:t>
-            </a:r>
-            <a:r>
-              <a:rPr lang="zh-CN" altLang="en-US" sz="2000" dirty="0"/>
-              <a:t>其他流</a:t>
-            </a:r>
-            <a:r>
-              <a:rPr lang="en-US" altLang="zh-CN" sz="2000" dirty="0"/>
-              <a:t>)</a:t>
-            </a:r>
-          </a:p>
-          <a:p>
-            <a:pPr marL="0" indent="0">
-              <a:buNone/>
-            </a:pPr>
-            <a:r>
-              <a:rPr lang="en-US" altLang="zh-CN" sz="2000" dirty="0"/>
-              <a:t> 	next(meta, stream)</a:t>
-            </a:r>
-          </a:p>
-          <a:p>
-            <a:pPr marL="0" indent="0">
-              <a:buNone/>
-            </a:pPr>
-            <a:r>
-              <a:rPr lang="en-US" altLang="zh-CN" sz="2000" dirty="0"/>
-              <a:t>	end()</a:t>
-            </a:r>
-          </a:p>
-          <a:p>
-            <a:pPr marL="0" indent="0">
-              <a:buNone/>
-            </a:pPr>
-            <a:r>
-              <a:rPr lang="en-US" altLang="zh-CN" sz="2000" dirty="0"/>
-              <a:t>}</a:t>
-            </a:r>
-            <a:endParaRPr lang="zh-CN" altLang="en-US" sz="2000" dirty="0"/>
-          </a:p>
-        </p:txBody>
-      </p:sp>
-      <p:sp>
-        <p:nvSpPr>
-          <p:cNvPr id="21" name="箭头: 下 20">
-            <a:extLst>
-              <a:ext uri="{FF2B5EF4-FFF2-40B4-BE49-F238E27FC236}">
-                <a16:creationId xmlns:a16="http://schemas.microsoft.com/office/drawing/2014/main" id="{D4E69DB7-8712-4383-A74E-5CCD0B97D09C}"/>
-              </a:ext>
-            </a:extLst>
-          </p:cNvPr>
-          <p:cNvSpPr/>
-          <p:nvPr/>
-        </p:nvSpPr>
-        <p:spPr>
-          <a:xfrm>
-            <a:off x="8755757" y="1089490"/>
-            <a:ext cx="645712" cy="1500027"/>
-          </a:xfrm>
-          <a:prstGeom prst="downArrow">
-            <a:avLst/>
-          </a:prstGeom>
         </p:spPr>
         <p:style>
           <a:lnRef idx="1">
@@ -9272,6 +9032,161 @@
           </a:fontRef>
         </p:style>
         <p:txBody>
+          <a:bodyPr>
+            <a:normAutofit/>
+          </a:bodyPr>
+          <a:lstStyle/>
+          <a:p>
+            <a:pPr marL="0" indent="0">
+              <a:buNone/>
+            </a:pPr>
+            <a:r>
+              <a:rPr lang="en-US" altLang="zh-CN" sz="2000" dirty="0"/>
+              <a:t>function Middleware(meta, stream, next, end){</a:t>
+            </a:r>
+          </a:p>
+          <a:p>
+            <a:pPr marL="0" indent="0">
+              <a:buNone/>
+            </a:pPr>
+            <a:r>
+              <a:rPr lang="en-US" altLang="zh-CN" sz="2000" dirty="0"/>
+              <a:t>	</a:t>
+            </a:r>
+            <a:r>
+              <a:rPr lang="zh-CN" altLang="en-US" sz="2000" dirty="0"/>
+              <a:t>非流式处理</a:t>
+            </a:r>
+            <a:r>
+              <a:rPr lang="en-US" altLang="zh-CN" sz="2000" dirty="0"/>
+              <a:t>meta……</a:t>
+            </a:r>
+          </a:p>
+          <a:p>
+            <a:pPr marL="0" indent="0">
+              <a:buNone/>
+            </a:pPr>
+            <a:r>
+              <a:rPr lang="en-US" altLang="zh-CN" sz="2000" dirty="0"/>
+              <a:t>	</a:t>
+            </a:r>
+            <a:r>
+              <a:rPr lang="zh-CN" altLang="en-US" sz="2000" dirty="0"/>
+              <a:t>流式处理</a:t>
+            </a:r>
+            <a:r>
+              <a:rPr lang="en-US" altLang="zh-CN" sz="2000" dirty="0"/>
+              <a:t>stream……</a:t>
+            </a:r>
+          </a:p>
+          <a:p>
+            <a:pPr marL="0" indent="0">
+              <a:buNone/>
+            </a:pPr>
+            <a:r>
+              <a:rPr lang="en-US" altLang="zh-CN" sz="2000" dirty="0"/>
+              <a:t>	</a:t>
+            </a:r>
+            <a:r>
+              <a:rPr lang="zh-CN" altLang="en-US" sz="2000" dirty="0"/>
+              <a:t>输出</a:t>
+            </a:r>
+            <a:r>
+              <a:rPr lang="en-US" altLang="zh-CN" sz="2000" dirty="0"/>
+              <a:t>(meta)</a:t>
+            </a:r>
+          </a:p>
+          <a:p>
+            <a:pPr marL="0" indent="0">
+              <a:buNone/>
+            </a:pPr>
+            <a:r>
+              <a:rPr lang="en-US" altLang="zh-CN" sz="2000" dirty="0"/>
+              <a:t>	</a:t>
+            </a:r>
+            <a:r>
+              <a:rPr lang="en-US" altLang="zh-CN" sz="2000" dirty="0" err="1"/>
+              <a:t>stream.pipe</a:t>
+            </a:r>
+            <a:r>
+              <a:rPr lang="en-US" altLang="zh-CN" sz="2000" dirty="0"/>
+              <a:t>(</a:t>
+            </a:r>
+            <a:r>
+              <a:rPr lang="zh-CN" altLang="en-US" sz="2000" dirty="0"/>
+              <a:t>其他流</a:t>
+            </a:r>
+            <a:r>
+              <a:rPr lang="en-US" altLang="zh-CN" sz="2000" dirty="0"/>
+              <a:t>)</a:t>
+            </a:r>
+          </a:p>
+          <a:p>
+            <a:pPr marL="0" indent="0">
+              <a:buNone/>
+            </a:pPr>
+            <a:r>
+              <a:rPr lang="en-US" altLang="zh-CN" sz="2000" dirty="0"/>
+              <a:t> 	next(meta, stream)</a:t>
+            </a:r>
+          </a:p>
+          <a:p>
+            <a:pPr marL="0" indent="0">
+              <a:buNone/>
+            </a:pPr>
+            <a:r>
+              <a:rPr lang="en-US" altLang="zh-CN" sz="2000" dirty="0"/>
+              <a:t>	end()</a:t>
+            </a:r>
+          </a:p>
+          <a:p>
+            <a:pPr marL="0" indent="0">
+              <a:buNone/>
+            </a:pPr>
+            <a:r>
+              <a:rPr lang="en-US" altLang="zh-CN" sz="2000" dirty="0"/>
+              <a:t>}</a:t>
+            </a:r>
+            <a:endParaRPr lang="zh-CN" altLang="en-US" sz="2000" dirty="0"/>
+          </a:p>
+        </p:txBody>
+      </p:sp>
+      <p:sp>
+        <p:nvSpPr>
+          <p:cNvPr id="21" name="箭头: 下 20">
+            <a:extLst>
+              <a:ext uri="{FF2B5EF4-FFF2-40B4-BE49-F238E27FC236}">
+                <a16:creationId xmlns:a16="http://schemas.microsoft.com/office/drawing/2014/main" id="{D4E69DB7-8712-4383-A74E-5CCD0B97D09C}"/>
+              </a:ext>
+            </a:extLst>
+          </p:cNvPr>
+          <p:cNvSpPr/>
+          <p:nvPr/>
+        </p:nvSpPr>
+        <p:spPr>
+          <a:xfrm>
+            <a:off x="8755757" y="1089490"/>
+            <a:ext cx="645712" cy="1500027"/>
+          </a:xfrm>
+          <a:prstGeom prst="downArrow">
+            <a:avLst/>
+          </a:prstGeom>
+        </p:spPr>
+        <p:style>
+          <a:lnRef idx="2">
+            <a:schemeClr val="dk1"/>
+          </a:lnRef>
+          <a:fillRef idx="1">
+            <a:schemeClr val="lt1"/>
+          </a:fillRef>
+          <a:effectRef idx="0">
+            <a:schemeClr val="dk1"/>
+          </a:effectRef>
+          <a:fontRef idx="minor">
+            <a:schemeClr val="dk1"/>
+          </a:fontRef>
+        </p:style>
+        <p:txBody>
           <a:bodyPr rtlCol="0" anchor="ctr"/>
           <a:lstStyle/>
           <a:p>
@@ -9305,14 +9220,14 @@
           </a:prstGeom>
         </p:spPr>
         <p:style>
-          <a:lnRef idx="1">
-            <a:schemeClr val="accent3"/>
+          <a:lnRef idx="2">
+            <a:schemeClr val="dk1"/>
           </a:lnRef>
-          <a:fillRef idx="2">
-            <a:schemeClr val="accent3"/>
+          <a:fillRef idx="1">
+            <a:schemeClr val="lt1"/>
           </a:fillRef>
-          <a:effectRef idx="1">
-            <a:schemeClr val="accent3"/>
+          <a:effectRef idx="0">
+            <a:schemeClr val="dk1"/>
           </a:effectRef>
           <a:fontRef idx="minor">
             <a:schemeClr val="dk1"/>
@@ -9352,14 +9267,14 @@
           </a:prstGeom>
         </p:spPr>
         <p:style>
-          <a:lnRef idx="1">
-            <a:schemeClr val="accent3"/>
+          <a:lnRef idx="2">
+            <a:schemeClr val="dk1"/>
           </a:lnRef>
-          <a:fillRef idx="2">
-            <a:schemeClr val="accent3"/>
+          <a:fillRef idx="1">
+            <a:schemeClr val="lt1"/>
           </a:fillRef>
-          <a:effectRef idx="1">
-            <a:schemeClr val="accent3"/>
+          <a:effectRef idx="0">
+            <a:schemeClr val="dk1"/>
           </a:effectRef>
           <a:fontRef idx="minor">
             <a:schemeClr val="dk1"/>
@@ -9399,14 +9314,14 @@
           </a:prstGeom>
         </p:spPr>
         <p:style>
-          <a:lnRef idx="1">
-            <a:schemeClr val="accent3"/>
+          <a:lnRef idx="2">
+            <a:schemeClr val="dk1"/>
           </a:lnRef>
-          <a:fillRef idx="2">
-            <a:schemeClr val="accent3"/>
+          <a:fillRef idx="1">
+            <a:schemeClr val="lt1"/>
           </a:fillRef>
-          <a:effectRef idx="1">
-            <a:schemeClr val="accent3"/>
+          <a:effectRef idx="0">
+            <a:schemeClr val="dk1"/>
           </a:effectRef>
           <a:fontRef idx="minor">
             <a:schemeClr val="dk1"/>
@@ -9446,14 +9361,14 @@
           </a:prstGeom>
         </p:spPr>
         <p:style>
-          <a:lnRef idx="1">
-            <a:schemeClr val="accent3"/>
+          <a:lnRef idx="2">
+            <a:schemeClr val="dk1"/>
           </a:lnRef>
-          <a:fillRef idx="2">
-            <a:schemeClr val="accent3"/>
+          <a:fillRef idx="1">
+            <a:schemeClr val="lt1"/>
           </a:fillRef>
-          <a:effectRef idx="1">
-            <a:schemeClr val="accent3"/>
+          <a:effectRef idx="0">
+            <a:schemeClr val="dk1"/>
           </a:effectRef>
           <a:fontRef idx="minor">
             <a:schemeClr val="dk1"/>
@@ -9501,14 +9416,14 @@
           </a:prstGeom>
         </p:spPr>
         <p:style>
-          <a:lnRef idx="1">
-            <a:schemeClr val="accent3"/>
+          <a:lnRef idx="2">
+            <a:schemeClr val="dk1"/>
           </a:lnRef>
-          <a:fillRef idx="2">
-            <a:schemeClr val="accent3"/>
+          <a:fillRef idx="1">
+            <a:schemeClr val="lt1"/>
           </a:fillRef>
-          <a:effectRef idx="1">
-            <a:schemeClr val="accent3"/>
+          <a:effectRef idx="0">
+            <a:schemeClr val="dk1"/>
           </a:effectRef>
           <a:fontRef idx="minor">
             <a:schemeClr val="dk1"/>
@@ -10174,13 +10089,13 @@
         </p:spPr>
         <p:style>
           <a:lnRef idx="1">
-            <a:schemeClr val="dk1"/>
+            <a:schemeClr val="accent3"/>
           </a:lnRef>
           <a:fillRef idx="2">
-            <a:schemeClr val="dk1"/>
+            <a:schemeClr val="accent3"/>
           </a:fillRef>
           <a:effectRef idx="1">
-            <a:schemeClr val="dk1"/>
+            <a:schemeClr val="accent3"/>
           </a:effectRef>
           <a:fontRef idx="minor">
             <a:schemeClr val="dk1"/>
@@ -10492,13 +10407,13 @@
           </p:spPr>
           <p:style>
             <a:lnRef idx="1">
-              <a:schemeClr val="dk1"/>
+              <a:schemeClr val="accent3"/>
             </a:lnRef>
             <a:fillRef idx="2">
-              <a:schemeClr val="dk1"/>
+              <a:schemeClr val="accent3"/>
             </a:fillRef>
             <a:effectRef idx="1">
-              <a:schemeClr val="dk1"/>
+              <a:schemeClr val="accent3"/>
             </a:effectRef>
             <a:fontRef idx="minor">
               <a:schemeClr val="dk1"/>
@@ -10542,14 +10457,14 @@
             </a:prstGeom>
           </p:spPr>
           <p:style>
-            <a:lnRef idx="1">
-              <a:schemeClr val="accent3"/>
+            <a:lnRef idx="2">
+              <a:schemeClr val="dk1"/>
             </a:lnRef>
-            <a:fillRef idx="2">
-              <a:schemeClr val="accent3"/>
+            <a:fillRef idx="1">
+              <a:schemeClr val="lt1"/>
             </a:fillRef>
-            <a:effectRef idx="1">
-              <a:schemeClr val="accent3"/>
+            <a:effectRef idx="0">
+              <a:schemeClr val="dk1"/>
             </a:effectRef>
             <a:fontRef idx="minor">
               <a:schemeClr val="dk1"/>
@@ -10589,14 +10504,14 @@
             </a:prstGeom>
           </p:spPr>
           <p:style>
-            <a:lnRef idx="1">
-              <a:schemeClr val="accent3"/>
+            <a:lnRef idx="2">
+              <a:schemeClr val="dk1"/>
             </a:lnRef>
-            <a:fillRef idx="2">
-              <a:schemeClr val="accent3"/>
+            <a:fillRef idx="1">
+              <a:schemeClr val="lt1"/>
             </a:fillRef>
-            <a:effectRef idx="1">
-              <a:schemeClr val="accent3"/>
+            <a:effectRef idx="0">
+              <a:schemeClr val="dk1"/>
             </a:effectRef>
             <a:fontRef idx="minor">
               <a:schemeClr val="dk1"/>
@@ -10636,14 +10551,14 @@
             </a:prstGeom>
           </p:spPr>
           <p:style>
-            <a:lnRef idx="1">
-              <a:schemeClr val="accent3"/>
+            <a:lnRef idx="2">
+              <a:schemeClr val="dk1"/>
             </a:lnRef>
-            <a:fillRef idx="2">
-              <a:schemeClr val="accent3"/>
+            <a:fillRef idx="1">
+              <a:schemeClr val="lt1"/>
             </a:fillRef>
-            <a:effectRef idx="1">
-              <a:schemeClr val="accent3"/>
+            <a:effectRef idx="0">
+              <a:schemeClr val="dk1"/>
             </a:effectRef>
             <a:fontRef idx="minor">
               <a:schemeClr val="dk1"/>
@@ -10683,14 +10598,14 @@
             </a:prstGeom>
           </p:spPr>
           <p:style>
-            <a:lnRef idx="1">
-              <a:schemeClr val="accent3"/>
+            <a:lnRef idx="2">
+              <a:schemeClr val="dk1"/>
             </a:lnRef>
-            <a:fillRef idx="2">
-              <a:schemeClr val="accent3"/>
+            <a:fillRef idx="1">
+              <a:schemeClr val="lt1"/>
             </a:fillRef>
-            <a:effectRef idx="1">
-              <a:schemeClr val="accent3"/>
+            <a:effectRef idx="0">
+              <a:schemeClr val="dk1"/>
             </a:effectRef>
             <a:fontRef idx="minor">
               <a:schemeClr val="dk1"/>
@@ -10730,14 +10645,14 @@
             </a:prstGeom>
           </p:spPr>
           <p:style>
-            <a:lnRef idx="1">
-              <a:schemeClr val="accent3"/>
+            <a:lnRef idx="2">
+              <a:schemeClr val="dk1"/>
             </a:lnRef>
-            <a:fillRef idx="2">
-              <a:schemeClr val="accent3"/>
+            <a:fillRef idx="1">
+              <a:schemeClr val="lt1"/>
             </a:fillRef>
-            <a:effectRef idx="1">
-              <a:schemeClr val="accent3"/>
+            <a:effectRef idx="0">
+              <a:schemeClr val="dk1"/>
             </a:effectRef>
             <a:fontRef idx="minor">
               <a:schemeClr val="dk1"/>
@@ -10777,14 +10692,14 @@
             </a:prstGeom>
           </p:spPr>
           <p:style>
-            <a:lnRef idx="1">
-              <a:schemeClr val="accent3"/>
+            <a:lnRef idx="2">
+              <a:schemeClr val="dk1"/>
             </a:lnRef>
-            <a:fillRef idx="2">
-              <a:schemeClr val="accent3"/>
+            <a:fillRef idx="1">
+              <a:schemeClr val="lt1"/>
             </a:fillRef>
-            <a:effectRef idx="1">
-              <a:schemeClr val="accent3"/>
+            <a:effectRef idx="0">
+              <a:schemeClr val="dk1"/>
             </a:effectRef>
             <a:fontRef idx="minor">
               <a:schemeClr val="dk1"/>
@@ -10824,14 +10739,14 @@
             </a:prstGeom>
           </p:spPr>
           <p:style>
-            <a:lnRef idx="1">
-              <a:schemeClr val="accent3"/>
+            <a:lnRef idx="2">
+              <a:schemeClr val="dk1"/>
             </a:lnRef>
-            <a:fillRef idx="2">
-              <a:schemeClr val="accent3"/>
+            <a:fillRef idx="1">
+              <a:schemeClr val="lt1"/>
             </a:fillRef>
-            <a:effectRef idx="1">
-              <a:schemeClr val="accent3"/>
+            <a:effectRef idx="0">
+              <a:schemeClr val="dk1"/>
             </a:effectRef>
             <a:fontRef idx="minor">
               <a:schemeClr val="dk1"/>
@@ -10872,14 +10787,14 @@
           </a:prstGeom>
         </p:spPr>
         <p:style>
-          <a:lnRef idx="1">
-            <a:schemeClr val="accent3"/>
+          <a:lnRef idx="2">
+            <a:schemeClr val="dk1"/>
           </a:lnRef>
-          <a:fillRef idx="2">
-            <a:schemeClr val="accent3"/>
+          <a:fillRef idx="1">
+            <a:schemeClr val="lt1"/>
           </a:fillRef>
-          <a:effectRef idx="1">
-            <a:schemeClr val="accent3"/>
+          <a:effectRef idx="0">
+            <a:schemeClr val="dk1"/>
           </a:effectRef>
           <a:fontRef idx="minor">
             <a:schemeClr val="dk1"/>
@@ -10922,17 +10837,17 @@
           </a:prstGeom>
         </p:spPr>
         <p:style>
-          <a:lnRef idx="0">
-            <a:schemeClr val="dk1"/>
+          <a:lnRef idx="1">
+            <a:schemeClr val="accent3"/>
           </a:lnRef>
-          <a:fillRef idx="3">
-            <a:schemeClr val="dk1"/>
+          <a:fillRef idx="2">
+            <a:schemeClr val="accent3"/>
           </a:fillRef>
-          <a:effectRef idx="3">
-            <a:schemeClr val="dk1"/>
+          <a:effectRef idx="1">
+            <a:schemeClr val="accent3"/>
           </a:effectRef>
           <a:fontRef idx="minor">
-            <a:schemeClr val="lt1"/>
+            <a:schemeClr val="dk1"/>
           </a:fontRef>
         </p:style>
         <p:txBody>
@@ -11109,7 +11024,11 @@
               <a:buNone/>
             </a:pPr>
             <a:r>
-              <a:rPr lang="en-US" altLang="zh-CN" sz="2000"/>
+              <a:rPr lang="en-US" altLang="zh-CN" sz="2000" dirty="0">
+                <a:solidFill>
+                  <a:schemeClr val="tx1"/>
+                </a:solidFill>
+              </a:rPr>
               <a:t>function Middleware(meta, stream, next, end){</a:t>
             </a:r>
           </a:p>
@@ -11119,15 +11038,27 @@
               <a:buNone/>
             </a:pPr>
             <a:r>
-              <a:rPr lang="en-US" altLang="zh-CN" sz="2000"/>
+              <a:rPr lang="en-US" altLang="zh-CN" sz="2000" dirty="0">
+                <a:solidFill>
+                  <a:schemeClr val="tx1"/>
+                </a:solidFill>
+              </a:rPr>
               <a:t>	</a:t>
             </a:r>
             <a:r>
-              <a:rPr lang="zh-CN" altLang="en-US" sz="2000"/>
+              <a:rPr lang="zh-CN" altLang="en-US" sz="2000" dirty="0">
+                <a:solidFill>
+                  <a:schemeClr val="tx1"/>
+                </a:solidFill>
+              </a:rPr>
               <a:t>非流式处理</a:t>
             </a:r>
             <a:r>
-              <a:rPr lang="en-US" altLang="zh-CN" sz="2000"/>
+              <a:rPr lang="en-US" altLang="zh-CN" sz="2000" dirty="0">
+                <a:solidFill>
+                  <a:schemeClr val="tx1"/>
+                </a:solidFill>
+              </a:rPr>
               <a:t>meta……</a:t>
             </a:r>
           </a:p>
@@ -11137,15 +11068,27 @@
               <a:buNone/>
             </a:pPr>
             <a:r>
-              <a:rPr lang="en-US" altLang="zh-CN" sz="2000"/>
+              <a:rPr lang="en-US" altLang="zh-CN" sz="2000" dirty="0">
+                <a:solidFill>
+                  <a:schemeClr val="tx1"/>
+                </a:solidFill>
+              </a:rPr>
               <a:t>	</a:t>
             </a:r>
             <a:r>
-              <a:rPr lang="zh-CN" altLang="en-US" sz="2000"/>
+              <a:rPr lang="zh-CN" altLang="en-US" sz="2000" dirty="0">
+                <a:solidFill>
+                  <a:schemeClr val="tx1"/>
+                </a:solidFill>
+              </a:rPr>
               <a:t>流式处理</a:t>
             </a:r>
             <a:r>
-              <a:rPr lang="en-US" altLang="zh-CN" sz="2000"/>
+              <a:rPr lang="en-US" altLang="zh-CN" sz="2000" dirty="0">
+                <a:solidFill>
+                  <a:schemeClr val="tx1"/>
+                </a:solidFill>
+              </a:rPr>
               <a:t>stream……</a:t>
             </a:r>
           </a:p>
@@ -11155,15 +11098,27 @@
               <a:buNone/>
             </a:pPr>
             <a:r>
-              <a:rPr lang="en-US" altLang="zh-CN" sz="2000"/>
+              <a:rPr lang="en-US" altLang="zh-CN" sz="2000" dirty="0">
+                <a:solidFill>
+                  <a:schemeClr val="tx1"/>
+                </a:solidFill>
+              </a:rPr>
               <a:t>	</a:t>
             </a:r>
             <a:r>
-              <a:rPr lang="zh-CN" altLang="en-US" sz="2000"/>
+              <a:rPr lang="zh-CN" altLang="en-US" sz="2000" dirty="0">
+                <a:solidFill>
+                  <a:schemeClr val="tx1"/>
+                </a:solidFill>
+              </a:rPr>
               <a:t>输出</a:t>
             </a:r>
             <a:r>
-              <a:rPr lang="en-US" altLang="zh-CN" sz="2000"/>
+              <a:rPr lang="en-US" altLang="zh-CN" sz="2000" dirty="0">
+                <a:solidFill>
+                  <a:schemeClr val="tx1"/>
+                </a:solidFill>
+              </a:rPr>
               <a:t>(meta)</a:t>
             </a:r>
           </a:p>
@@ -11173,15 +11128,43 @@
               <a:buNone/>
             </a:pPr>
             <a:r>
-              <a:rPr lang="en-US" altLang="zh-CN" sz="2000"/>
-              <a:t>	stream.pipe(</a:t>
-            </a:r>
-            <a:r>
-              <a:rPr lang="zh-CN" altLang="en-US" sz="2000"/>
+              <a:rPr lang="en-US" altLang="zh-CN" sz="2000" dirty="0">
+                <a:solidFill>
+                  <a:schemeClr val="tx1"/>
+                </a:solidFill>
+              </a:rPr>
+              <a:t>	</a:t>
+            </a:r>
+            <a:r>
+              <a:rPr lang="en-US" altLang="zh-CN" sz="2000" dirty="0" err="1">
+                <a:solidFill>
+                  <a:schemeClr val="tx1"/>
+                </a:solidFill>
+              </a:rPr>
+              <a:t>stream.pipe</a:t>
+            </a:r>
+            <a:r>
+              <a:rPr lang="en-US" altLang="zh-CN" sz="2000" dirty="0">
+                <a:solidFill>
+                  <a:schemeClr val="tx1"/>
+                </a:solidFill>
+              </a:rPr>
+              <a:t>(</a:t>
+            </a:r>
+            <a:r>
+              <a:rPr lang="zh-CN" altLang="en-US" sz="2000" dirty="0">
+                <a:solidFill>
+                  <a:schemeClr val="tx1"/>
+                </a:solidFill>
+              </a:rPr>
               <a:t>其他流</a:t>
             </a:r>
             <a:r>
-              <a:rPr lang="en-US" altLang="zh-CN" sz="2000"/>
+              <a:rPr lang="en-US" altLang="zh-CN" sz="2000" dirty="0">
+                <a:solidFill>
+                  <a:schemeClr val="tx1"/>
+                </a:solidFill>
+              </a:rPr>
               <a:t>)</a:t>
             </a:r>
           </a:p>
@@ -11191,7 +11174,11 @@
               <a:buNone/>
             </a:pPr>
             <a:r>
-              <a:rPr lang="en-US" altLang="zh-CN" sz="2000"/>
+              <a:rPr lang="en-US" altLang="zh-CN" sz="2000" dirty="0">
+                <a:solidFill>
+                  <a:schemeClr val="tx1"/>
+                </a:solidFill>
+              </a:rPr>
               <a:t> 	next(meta, stream)</a:t>
             </a:r>
           </a:p>
@@ -11201,7 +11188,11 @@
               <a:buNone/>
             </a:pPr>
             <a:r>
-              <a:rPr lang="en-US" altLang="zh-CN" sz="2000"/>
+              <a:rPr lang="en-US" altLang="zh-CN" sz="2000" dirty="0">
+                <a:solidFill>
+                  <a:schemeClr val="tx1"/>
+                </a:solidFill>
+              </a:rPr>
               <a:t>	end()</a:t>
             </a:r>
           </a:p>
@@ -11211,10 +11202,18 @@
               <a:buNone/>
             </a:pPr>
             <a:r>
-              <a:rPr lang="en-US" altLang="zh-CN" sz="2000"/>
+              <a:rPr lang="en-US" altLang="zh-CN" sz="2000" dirty="0">
+                <a:solidFill>
+                  <a:schemeClr val="tx1"/>
+                </a:solidFill>
+              </a:rPr>
               <a:t>}</a:t>
             </a:r>
-            <a:endParaRPr lang="zh-CN" altLang="en-US" sz="2000" dirty="0"/>
+            <a:endParaRPr lang="zh-CN" altLang="en-US" sz="2000" dirty="0">
+              <a:solidFill>
+                <a:schemeClr val="tx1"/>
+              </a:solidFill>
+            </a:endParaRPr>
           </a:p>
         </p:txBody>
       </p:sp>
@@ -11240,14 +11239,14 @@
           </a:prstGeom>
         </p:spPr>
         <p:style>
-          <a:lnRef idx="1">
-            <a:schemeClr val="accent3"/>
+          <a:lnRef idx="2">
+            <a:schemeClr val="dk1"/>
           </a:lnRef>
-          <a:fillRef idx="2">
-            <a:schemeClr val="accent3"/>
+          <a:fillRef idx="1">
+            <a:schemeClr val="lt1"/>
           </a:fillRef>
-          <a:effectRef idx="1">
-            <a:schemeClr val="accent3"/>
+          <a:effectRef idx="0">
+            <a:schemeClr val="dk1"/>
           </a:effectRef>
           <a:fontRef idx="minor">
             <a:schemeClr val="dk1"/>
@@ -11287,14 +11286,14 @@
           </a:prstGeom>
         </p:spPr>
         <p:style>
-          <a:lnRef idx="1">
-            <a:schemeClr val="accent3"/>
+          <a:lnRef idx="2">
+            <a:schemeClr val="dk1"/>
           </a:lnRef>
-          <a:fillRef idx="2">
-            <a:schemeClr val="accent3"/>
+          <a:fillRef idx="1">
+            <a:schemeClr val="lt1"/>
           </a:fillRef>
-          <a:effectRef idx="1">
-            <a:schemeClr val="accent3"/>
+          <a:effectRef idx="0">
+            <a:schemeClr val="dk1"/>
           </a:effectRef>
           <a:fontRef idx="minor">
             <a:schemeClr val="dk1"/>
@@ -11334,14 +11333,14 @@
           </a:prstGeom>
         </p:spPr>
         <p:style>
-          <a:lnRef idx="1">
-            <a:schemeClr val="accent3"/>
+          <a:lnRef idx="2">
+            <a:schemeClr val="dk1"/>
           </a:lnRef>
-          <a:fillRef idx="2">
-            <a:schemeClr val="accent3"/>
+          <a:fillRef idx="1">
+            <a:schemeClr val="lt1"/>
           </a:fillRef>
-          <a:effectRef idx="1">
-            <a:schemeClr val="accent3"/>
+          <a:effectRef idx="0">
+            <a:schemeClr val="dk1"/>
           </a:effectRef>
           <a:fontRef idx="minor">
             <a:schemeClr val="dk1"/>
@@ -11381,14 +11380,14 @@
           </a:prstGeom>
         </p:spPr>
         <p:style>
-          <a:lnRef idx="1">
-            <a:schemeClr val="accent3"/>
+          <a:lnRef idx="2">
+            <a:schemeClr val="dk1"/>
           </a:lnRef>
-          <a:fillRef idx="2">
-            <a:schemeClr val="accent3"/>
+          <a:fillRef idx="1">
+            <a:schemeClr val="lt1"/>
           </a:fillRef>
-          <a:effectRef idx="1">
-            <a:schemeClr val="accent3"/>
+          <a:effectRef idx="0">
+            <a:schemeClr val="dk1"/>
           </a:effectRef>
           <a:fontRef idx="minor">
             <a:schemeClr val="dk1"/>
@@ -11428,14 +11427,14 @@
           </a:prstGeom>
         </p:spPr>
         <p:style>
-          <a:lnRef idx="1">
-            <a:schemeClr val="accent3"/>
+          <a:lnRef idx="2">
+            <a:schemeClr val="dk1"/>
           </a:lnRef>
-          <a:fillRef idx="2">
-            <a:schemeClr val="accent3"/>
+          <a:fillRef idx="1">
+            <a:schemeClr val="lt1"/>
           </a:fillRef>
-          <a:effectRef idx="1">
-            <a:schemeClr val="accent3"/>
+          <a:effectRef idx="0">
+            <a:schemeClr val="dk1"/>
           </a:effectRef>
           <a:fontRef idx="minor">
             <a:schemeClr val="dk1"/>
@@ -11483,14 +11482,14 @@
           </a:prstGeom>
         </p:spPr>
         <p:style>
-          <a:lnRef idx="1">
-            <a:schemeClr val="accent3"/>
+          <a:lnRef idx="2">
+            <a:schemeClr val="dk1"/>
           </a:lnRef>
-          <a:fillRef idx="2">
-            <a:schemeClr val="accent3"/>
+          <a:fillRef idx="1">
+            <a:schemeClr val="lt1"/>
           </a:fillRef>
-          <a:effectRef idx="1">
-            <a:schemeClr val="accent3"/>
+          <a:effectRef idx="0">
+            <a:schemeClr val="dk1"/>
           </a:effectRef>
           <a:fontRef idx="minor">
             <a:schemeClr val="dk1"/>
@@ -11979,7 +11978,7 @@
             <a:r>
               <a:rPr lang="zh-CN" altLang="en-US" sz="1400" dirty="0">
                 <a:solidFill>
-                  <a:schemeClr val="bg1"/>
+                  <a:schemeClr val="tx1"/>
                 </a:solidFill>
               </a:rPr>
               <a:t>运行时注入</a:t>
@@ -12036,7 +12035,7 @@
             <a:r>
               <a:rPr lang="zh-CN" altLang="en-US" sz="1400" dirty="0">
                 <a:solidFill>
-                  <a:schemeClr val="bg1"/>
+                  <a:schemeClr val="tx1"/>
                 </a:solidFill>
               </a:rPr>
               <a:t>运行时注入</a:t>
@@ -12353,6 +12352,10 @@
           <a:lstStyle/>
           <a:p>
             <a:r>
+              <a:rPr lang="en-US" altLang="zh-CN" dirty="0" err="1"/>
+              <a:t>wchain</a:t>
+            </a:r>
+            <a:r>
               <a:rPr lang="zh-CN" altLang="en-US" dirty="0"/>
               <a:t>构造器</a:t>
             </a:r>
@@ -12375,57 +12378,6 @@
           <a:xfrm>
             <a:off x="135167" y="3422887"/>
             <a:ext cx="2038644" cy="1010433"/>
-          </a:xfrm>
-          <a:prstGeom prst="cube">
-            <a:avLst/>
-          </a:prstGeom>
-        </p:spPr>
-        <p:style>
-          <a:lnRef idx="1">
-            <a:schemeClr val="dk1"/>
-          </a:lnRef>
-          <a:fillRef idx="2">
-            <a:schemeClr val="dk1"/>
-          </a:fillRef>
-          <a:effectRef idx="1">
-            <a:schemeClr val="dk1"/>
-          </a:effectRef>
-          <a:fontRef idx="minor">
-            <a:schemeClr val="dk1"/>
-          </a:fontRef>
-        </p:style>
-        <p:txBody>
-          <a:bodyPr rtlCol="0" anchor="ctr"/>
-          <a:lstStyle/>
-          <a:p>
-            <a:pPr algn="ctr"/>
-            <a:r>
-              <a:rPr lang="en-US" altLang="zh-CN" sz="2000" dirty="0" err="1"/>
-              <a:t>wchain</a:t>
-            </a:r>
-            <a:r>
-              <a:rPr lang="zh-CN" altLang="en-US" sz="2000" dirty="0"/>
-              <a:t>构造器</a:t>
-            </a:r>
-          </a:p>
-        </p:txBody>
-      </p:sp>
-      <p:sp>
-        <p:nvSpPr>
-          <p:cNvPr id="10" name="立方体 9">
-            <a:extLst>
-              <a:ext uri="{FF2B5EF4-FFF2-40B4-BE49-F238E27FC236}">
-                <a16:creationId xmlns:a16="http://schemas.microsoft.com/office/drawing/2014/main" id="{A1779CA2-3924-460C-B660-29A9B152167E}"/>
-              </a:ext>
-            </a:extLst>
-          </p:cNvPr>
-          <p:cNvSpPr/>
-          <p:nvPr/>
-        </p:nvSpPr>
-        <p:spPr>
-          <a:xfrm>
-            <a:off x="2561944" y="2081858"/>
-            <a:ext cx="2044558" cy="729112"/>
           </a:xfrm>
           <a:prstGeom prst="cube">
             <a:avLst/>
@@ -12451,6 +12403,57 @@
           <a:p>
             <a:pPr algn="ctr"/>
             <a:r>
+              <a:rPr lang="en-US" altLang="zh-CN" sz="2000" dirty="0" err="1"/>
+              <a:t>wchain</a:t>
+            </a:r>
+            <a:r>
+              <a:rPr lang="zh-CN" altLang="en-US" sz="2000" dirty="0"/>
+              <a:t>构造器</a:t>
+            </a:r>
+          </a:p>
+        </p:txBody>
+      </p:sp>
+      <p:sp>
+        <p:nvSpPr>
+          <p:cNvPr id="10" name="立方体 9">
+            <a:extLst>
+              <a:ext uri="{FF2B5EF4-FFF2-40B4-BE49-F238E27FC236}">
+                <a16:creationId xmlns:a16="http://schemas.microsoft.com/office/drawing/2014/main" id="{A1779CA2-3924-460C-B660-29A9B152167E}"/>
+              </a:ext>
+            </a:extLst>
+          </p:cNvPr>
+          <p:cNvSpPr/>
+          <p:nvPr/>
+        </p:nvSpPr>
+        <p:spPr>
+          <a:xfrm>
+            <a:off x="2561944" y="2081858"/>
+            <a:ext cx="2044558" cy="729112"/>
+          </a:xfrm>
+          <a:prstGeom prst="cube">
+            <a:avLst/>
+          </a:prstGeom>
+        </p:spPr>
+        <p:style>
+          <a:lnRef idx="2">
+            <a:schemeClr val="dk1"/>
+          </a:lnRef>
+          <a:fillRef idx="1">
+            <a:schemeClr val="lt1"/>
+          </a:fillRef>
+          <a:effectRef idx="0">
+            <a:schemeClr val="dk1"/>
+          </a:effectRef>
+          <a:fontRef idx="minor">
+            <a:schemeClr val="dk1"/>
+          </a:fontRef>
+        </p:style>
+        <p:txBody>
+          <a:bodyPr rtlCol="0" anchor="ctr"/>
+          <a:lstStyle/>
+          <a:p>
+            <a:pPr algn="ctr"/>
+            <a:r>
               <a:rPr lang="zh-CN" altLang="en-US" sz="1600" dirty="0"/>
               <a:t>中间件列表</a:t>
             </a:r>
@@ -12479,14 +12482,14 @@
           </a:prstGeom>
         </p:spPr>
         <p:style>
-          <a:lnRef idx="1">
-            <a:schemeClr val="accent3"/>
+          <a:lnRef idx="2">
+            <a:schemeClr val="dk1"/>
           </a:lnRef>
-          <a:fillRef idx="2">
-            <a:schemeClr val="accent3"/>
+          <a:fillRef idx="1">
+            <a:schemeClr val="lt1"/>
           </a:fillRef>
-          <a:effectRef idx="1">
-            <a:schemeClr val="accent3"/>
+          <a:effectRef idx="0">
+            <a:schemeClr val="dk1"/>
           </a:effectRef>
           <a:fontRef idx="minor">
             <a:schemeClr val="dk1"/>
@@ -12526,14 +12529,14 @@
           </a:prstGeom>
         </p:spPr>
         <p:style>
-          <a:lnRef idx="1">
-            <a:schemeClr val="accent3"/>
+          <a:lnRef idx="2">
+            <a:schemeClr val="dk1"/>
           </a:lnRef>
-          <a:fillRef idx="2">
-            <a:schemeClr val="accent3"/>
+          <a:fillRef idx="1">
+            <a:schemeClr val="lt1"/>
           </a:fillRef>
-          <a:effectRef idx="1">
-            <a:schemeClr val="accent3"/>
+          <a:effectRef idx="0">
+            <a:schemeClr val="dk1"/>
           </a:effectRef>
           <a:fontRef idx="minor">
             <a:schemeClr val="dk1"/>
@@ -12685,17 +12688,17 @@
           </a:prstGeom>
         </p:spPr>
         <p:style>
-          <a:lnRef idx="0">
-            <a:schemeClr val="dk1"/>
+          <a:lnRef idx="1">
+            <a:schemeClr val="accent3"/>
           </a:lnRef>
-          <a:fillRef idx="3">
-            <a:schemeClr val="dk1"/>
+          <a:fillRef idx="2">
+            <a:schemeClr val="accent3"/>
           </a:fillRef>
-          <a:effectRef idx="3">
-            <a:schemeClr val="dk1"/>
+          <a:effectRef idx="1">
+            <a:schemeClr val="accent3"/>
           </a:effectRef>
           <a:fontRef idx="minor">
-            <a:schemeClr val="lt1"/>
+            <a:schemeClr val="dk1"/>
           </a:fontRef>
         </p:style>
         <p:txBody>
@@ -12872,7 +12875,11 @@
               <a:buNone/>
             </a:pPr>
             <a:r>
-              <a:rPr lang="en-US" altLang="zh-CN" sz="2000" dirty="0"/>
+              <a:rPr lang="en-US" altLang="zh-CN" sz="2000" dirty="0">
+                <a:solidFill>
+                  <a:schemeClr val="tx1"/>
+                </a:solidFill>
+              </a:rPr>
               <a:t>function Middleware(meta, stream, next, end){</a:t>
             </a:r>
           </a:p>
@@ -12882,15 +12889,27 @@
               <a:buNone/>
             </a:pPr>
             <a:r>
-              <a:rPr lang="en-US" altLang="zh-CN" sz="2000" dirty="0"/>
+              <a:rPr lang="en-US" altLang="zh-CN" sz="2000" dirty="0">
+                <a:solidFill>
+                  <a:schemeClr val="tx1"/>
+                </a:solidFill>
+              </a:rPr>
               <a:t>	</a:t>
             </a:r>
             <a:r>
-              <a:rPr lang="zh-CN" altLang="en-US" sz="2000" dirty="0"/>
+              <a:rPr lang="zh-CN" altLang="en-US" sz="2000" dirty="0">
+                <a:solidFill>
+                  <a:schemeClr val="tx1"/>
+                </a:solidFill>
+              </a:rPr>
               <a:t>非流式处理</a:t>
             </a:r>
             <a:r>
-              <a:rPr lang="en-US" altLang="zh-CN" sz="2000" dirty="0"/>
+              <a:rPr lang="en-US" altLang="zh-CN" sz="2000" dirty="0">
+                <a:solidFill>
+                  <a:schemeClr val="tx1"/>
+                </a:solidFill>
+              </a:rPr>
               <a:t>meta……</a:t>
             </a:r>
           </a:p>
@@ -12900,15 +12919,27 @@
               <a:buNone/>
             </a:pPr>
             <a:r>
-              <a:rPr lang="en-US" altLang="zh-CN" sz="2000" dirty="0"/>
+              <a:rPr lang="en-US" altLang="zh-CN" sz="2000" dirty="0">
+                <a:solidFill>
+                  <a:schemeClr val="tx1"/>
+                </a:solidFill>
+              </a:rPr>
               <a:t>	</a:t>
             </a:r>
             <a:r>
-              <a:rPr lang="zh-CN" altLang="en-US" sz="2000" dirty="0"/>
+              <a:rPr lang="zh-CN" altLang="en-US" sz="2000" dirty="0">
+                <a:solidFill>
+                  <a:schemeClr val="tx1"/>
+                </a:solidFill>
+              </a:rPr>
               <a:t>流式处理</a:t>
             </a:r>
             <a:r>
-              <a:rPr lang="en-US" altLang="zh-CN" sz="2000" dirty="0"/>
+              <a:rPr lang="en-US" altLang="zh-CN" sz="2000" dirty="0">
+                <a:solidFill>
+                  <a:schemeClr val="tx1"/>
+                </a:solidFill>
+              </a:rPr>
               <a:t>stream……</a:t>
             </a:r>
           </a:p>
@@ -12918,15 +12949,27 @@
               <a:buNone/>
             </a:pPr>
             <a:r>
-              <a:rPr lang="en-US" altLang="zh-CN" sz="2000" dirty="0"/>
+              <a:rPr lang="en-US" altLang="zh-CN" sz="2000" dirty="0">
+                <a:solidFill>
+                  <a:schemeClr val="tx1"/>
+                </a:solidFill>
+              </a:rPr>
               <a:t>	</a:t>
             </a:r>
             <a:r>
-              <a:rPr lang="zh-CN" altLang="en-US" sz="2000" dirty="0"/>
+              <a:rPr lang="zh-CN" altLang="en-US" sz="2000" dirty="0">
+                <a:solidFill>
+                  <a:schemeClr val="tx1"/>
+                </a:solidFill>
+              </a:rPr>
               <a:t>输出</a:t>
             </a:r>
             <a:r>
-              <a:rPr lang="en-US" altLang="zh-CN" sz="2000" dirty="0"/>
+              <a:rPr lang="en-US" altLang="zh-CN" sz="2000" dirty="0">
+                <a:solidFill>
+                  <a:schemeClr val="tx1"/>
+                </a:solidFill>
+              </a:rPr>
               <a:t>(meta)</a:t>
             </a:r>
           </a:p>
@@ -12936,23 +12979,43 @@
               <a:buNone/>
             </a:pPr>
             <a:r>
-              <a:rPr lang="en-US" altLang="zh-CN" sz="2000" dirty="0"/>
+              <a:rPr lang="en-US" altLang="zh-CN" sz="2000" dirty="0">
+                <a:solidFill>
+                  <a:schemeClr val="tx1"/>
+                </a:solidFill>
+              </a:rPr>
               <a:t>	</a:t>
             </a:r>
             <a:r>
-              <a:rPr lang="en-US" altLang="zh-CN" sz="2000" dirty="0" err="1"/>
+              <a:rPr lang="en-US" altLang="zh-CN" sz="2000" dirty="0" err="1">
+                <a:solidFill>
+                  <a:schemeClr val="tx1"/>
+                </a:solidFill>
+              </a:rPr>
               <a:t>stream.pipe</a:t>
             </a:r>
             <a:r>
-              <a:rPr lang="en-US" altLang="zh-CN" sz="2000" dirty="0"/>
+              <a:rPr lang="en-US" altLang="zh-CN" sz="2000" dirty="0">
+                <a:solidFill>
+                  <a:schemeClr val="tx1"/>
+                </a:solidFill>
+              </a:rPr>
               <a:t>(</a:t>
             </a:r>
             <a:r>
-              <a:rPr lang="zh-CN" altLang="en-US" sz="2000" dirty="0"/>
+              <a:rPr lang="zh-CN" altLang="en-US" sz="2000" dirty="0">
+                <a:solidFill>
+                  <a:schemeClr val="tx1"/>
+                </a:solidFill>
+              </a:rPr>
               <a:t>其他流</a:t>
             </a:r>
             <a:r>
-              <a:rPr lang="en-US" altLang="zh-CN" sz="2000" dirty="0"/>
+              <a:rPr lang="en-US" altLang="zh-CN" sz="2000" dirty="0">
+                <a:solidFill>
+                  <a:schemeClr val="tx1"/>
+                </a:solidFill>
+              </a:rPr>
               <a:t>)</a:t>
             </a:r>
           </a:p>
@@ -12962,7 +13025,11 @@
               <a:buNone/>
             </a:pPr>
             <a:r>
-              <a:rPr lang="en-US" altLang="zh-CN" sz="2000" dirty="0"/>
+              <a:rPr lang="en-US" altLang="zh-CN" sz="2000" dirty="0">
+                <a:solidFill>
+                  <a:schemeClr val="tx1"/>
+                </a:solidFill>
+              </a:rPr>
               <a:t> 	next(meta, stream)</a:t>
             </a:r>
           </a:p>
@@ -12972,7 +13039,11 @@
               <a:buNone/>
             </a:pPr>
             <a:r>
-              <a:rPr lang="en-US" altLang="zh-CN" sz="2000" dirty="0"/>
+              <a:rPr lang="en-US" altLang="zh-CN" sz="2000" dirty="0">
+                <a:solidFill>
+                  <a:schemeClr val="tx1"/>
+                </a:solidFill>
+              </a:rPr>
               <a:t>	end()</a:t>
             </a:r>
           </a:p>
@@ -12982,10 +13053,18 @@
               <a:buNone/>
             </a:pPr>
             <a:r>
-              <a:rPr lang="en-US" altLang="zh-CN" sz="2000" dirty="0"/>
+              <a:rPr lang="en-US" altLang="zh-CN" sz="2000" dirty="0">
+                <a:solidFill>
+                  <a:schemeClr val="tx1"/>
+                </a:solidFill>
+              </a:rPr>
               <a:t>}</a:t>
             </a:r>
-            <a:endParaRPr lang="zh-CN" altLang="en-US" sz="2000" dirty="0"/>
+            <a:endParaRPr lang="zh-CN" altLang="en-US" sz="2000" dirty="0">
+              <a:solidFill>
+                <a:schemeClr val="tx1"/>
+              </a:solidFill>
+            </a:endParaRPr>
           </a:p>
         </p:txBody>
       </p:sp>
@@ -13013,17 +13092,17 @@
           </a:prstGeom>
         </p:spPr>
         <p:style>
-          <a:lnRef idx="0">
-            <a:schemeClr val="dk1"/>
+          <a:lnRef idx="1">
+            <a:schemeClr val="accent3"/>
           </a:lnRef>
-          <a:fillRef idx="3">
-            <a:schemeClr val="dk1"/>
+          <a:fillRef idx="2">
+            <a:schemeClr val="accent3"/>
           </a:fillRef>
-          <a:effectRef idx="3">
-            <a:schemeClr val="dk1"/>
+          <a:effectRef idx="1">
+            <a:schemeClr val="accent3"/>
           </a:effectRef>
           <a:fontRef idx="minor">
-            <a:schemeClr val="lt1"/>
+            <a:schemeClr val="dk1"/>
           </a:fontRef>
         </p:style>
         <p:txBody>
@@ -13200,7 +13279,11 @@
               <a:buNone/>
             </a:pPr>
             <a:r>
-              <a:rPr lang="en-US" altLang="zh-CN" sz="2000" dirty="0"/>
+              <a:rPr lang="en-US" altLang="zh-CN" sz="2000" dirty="0">
+                <a:solidFill>
+                  <a:schemeClr val="tx1"/>
+                </a:solidFill>
+              </a:rPr>
               <a:t>function Middleware(meta, stream, next, end){</a:t>
             </a:r>
           </a:p>
@@ -13210,15 +13293,27 @@
               <a:buNone/>
             </a:pPr>
             <a:r>
-              <a:rPr lang="en-US" altLang="zh-CN" sz="2000" dirty="0"/>
+              <a:rPr lang="en-US" altLang="zh-CN" sz="2000" dirty="0">
+                <a:solidFill>
+                  <a:schemeClr val="tx1"/>
+                </a:solidFill>
+              </a:rPr>
               <a:t>	</a:t>
             </a:r>
             <a:r>
-              <a:rPr lang="zh-CN" altLang="en-US" sz="2000" dirty="0"/>
+              <a:rPr lang="zh-CN" altLang="en-US" sz="2000" dirty="0">
+                <a:solidFill>
+                  <a:schemeClr val="tx1"/>
+                </a:solidFill>
+              </a:rPr>
               <a:t>非流式处理</a:t>
             </a:r>
             <a:r>
-              <a:rPr lang="en-US" altLang="zh-CN" sz="2000" dirty="0"/>
+              <a:rPr lang="en-US" altLang="zh-CN" sz="2000" dirty="0">
+                <a:solidFill>
+                  <a:schemeClr val="tx1"/>
+                </a:solidFill>
+              </a:rPr>
               <a:t>meta……</a:t>
             </a:r>
           </a:p>
@@ -13228,15 +13323,27 @@
               <a:buNone/>
             </a:pPr>
             <a:r>
-              <a:rPr lang="en-US" altLang="zh-CN" sz="2000" dirty="0"/>
+              <a:rPr lang="en-US" altLang="zh-CN" sz="2000" dirty="0">
+                <a:solidFill>
+                  <a:schemeClr val="tx1"/>
+                </a:solidFill>
+              </a:rPr>
               <a:t>	</a:t>
             </a:r>
             <a:r>
-              <a:rPr lang="zh-CN" altLang="en-US" sz="2000" dirty="0"/>
+              <a:rPr lang="zh-CN" altLang="en-US" sz="2000" dirty="0">
+                <a:solidFill>
+                  <a:schemeClr val="tx1"/>
+                </a:solidFill>
+              </a:rPr>
               <a:t>流式处理</a:t>
             </a:r>
             <a:r>
-              <a:rPr lang="en-US" altLang="zh-CN" sz="2000" dirty="0"/>
+              <a:rPr lang="en-US" altLang="zh-CN" sz="2000" dirty="0">
+                <a:solidFill>
+                  <a:schemeClr val="tx1"/>
+                </a:solidFill>
+              </a:rPr>
               <a:t>stream……</a:t>
             </a:r>
           </a:p>
@@ -13246,15 +13353,27 @@
               <a:buNone/>
             </a:pPr>
             <a:r>
-              <a:rPr lang="en-US" altLang="zh-CN" sz="2000" dirty="0"/>
+              <a:rPr lang="en-US" altLang="zh-CN" sz="2000" dirty="0">
+                <a:solidFill>
+                  <a:schemeClr val="tx1"/>
+                </a:solidFill>
+              </a:rPr>
               <a:t>	</a:t>
             </a:r>
             <a:r>
-              <a:rPr lang="zh-CN" altLang="en-US" sz="2000" dirty="0"/>
+              <a:rPr lang="zh-CN" altLang="en-US" sz="2000" dirty="0">
+                <a:solidFill>
+                  <a:schemeClr val="tx1"/>
+                </a:solidFill>
+              </a:rPr>
               <a:t>输出</a:t>
             </a:r>
             <a:r>
-              <a:rPr lang="en-US" altLang="zh-CN" sz="2000" dirty="0"/>
+              <a:rPr lang="en-US" altLang="zh-CN" sz="2000" dirty="0">
+                <a:solidFill>
+                  <a:schemeClr val="tx1"/>
+                </a:solidFill>
+              </a:rPr>
               <a:t>(meta)</a:t>
             </a:r>
           </a:p>
@@ -13264,23 +13383,43 @@
               <a:buNone/>
             </a:pPr>
             <a:r>
-              <a:rPr lang="en-US" altLang="zh-CN" sz="2000" dirty="0"/>
+              <a:rPr lang="en-US" altLang="zh-CN" sz="2000" dirty="0">
+                <a:solidFill>
+                  <a:schemeClr val="tx1"/>
+                </a:solidFill>
+              </a:rPr>
               <a:t>	</a:t>
             </a:r>
             <a:r>
-              <a:rPr lang="en-US" altLang="zh-CN" sz="2000" dirty="0" err="1"/>
+              <a:rPr lang="en-US" altLang="zh-CN" sz="2000" dirty="0" err="1">
+                <a:solidFill>
+                  <a:schemeClr val="tx1"/>
+                </a:solidFill>
+              </a:rPr>
               <a:t>stream.pipe</a:t>
             </a:r>
             <a:r>
-              <a:rPr lang="en-US" altLang="zh-CN" sz="2000" dirty="0"/>
+              <a:rPr lang="en-US" altLang="zh-CN" sz="2000" dirty="0">
+                <a:solidFill>
+                  <a:schemeClr val="tx1"/>
+                </a:solidFill>
+              </a:rPr>
               <a:t>(</a:t>
             </a:r>
             <a:r>
-              <a:rPr lang="zh-CN" altLang="en-US" sz="2000" dirty="0"/>
+              <a:rPr lang="zh-CN" altLang="en-US" sz="2000" dirty="0">
+                <a:solidFill>
+                  <a:schemeClr val="tx1"/>
+                </a:solidFill>
+              </a:rPr>
               <a:t>其他流</a:t>
             </a:r>
             <a:r>
-              <a:rPr lang="en-US" altLang="zh-CN" sz="2000" dirty="0"/>
+              <a:rPr lang="en-US" altLang="zh-CN" sz="2000" dirty="0">
+                <a:solidFill>
+                  <a:schemeClr val="tx1"/>
+                </a:solidFill>
+              </a:rPr>
               <a:t>)</a:t>
             </a:r>
           </a:p>
@@ -13290,7 +13429,11 @@
               <a:buNone/>
             </a:pPr>
             <a:r>
-              <a:rPr lang="en-US" altLang="zh-CN" sz="2000" dirty="0"/>
+              <a:rPr lang="en-US" altLang="zh-CN" sz="2000" dirty="0">
+                <a:solidFill>
+                  <a:schemeClr val="tx1"/>
+                </a:solidFill>
+              </a:rPr>
               <a:t> 	next(meta, stream)</a:t>
             </a:r>
           </a:p>
@@ -13300,7 +13443,11 @@
               <a:buNone/>
             </a:pPr>
             <a:r>
-              <a:rPr lang="en-US" altLang="zh-CN" sz="2000" dirty="0"/>
+              <a:rPr lang="en-US" altLang="zh-CN" sz="2000" dirty="0">
+                <a:solidFill>
+                  <a:schemeClr val="tx1"/>
+                </a:solidFill>
+              </a:rPr>
               <a:t>	end()</a:t>
             </a:r>
           </a:p>
@@ -13310,10 +13457,18 @@
               <a:buNone/>
             </a:pPr>
             <a:r>
-              <a:rPr lang="en-US" altLang="zh-CN" sz="2000" dirty="0"/>
+              <a:rPr lang="en-US" altLang="zh-CN" sz="2000" dirty="0">
+                <a:solidFill>
+                  <a:schemeClr val="tx1"/>
+                </a:solidFill>
+              </a:rPr>
               <a:t>}</a:t>
             </a:r>
-            <a:endParaRPr lang="zh-CN" altLang="en-US" sz="2000" dirty="0"/>
+            <a:endParaRPr lang="zh-CN" altLang="en-US" sz="2000" dirty="0">
+              <a:solidFill>
+                <a:schemeClr val="tx1"/>
+              </a:solidFill>
+            </a:endParaRPr>
           </a:p>
         </p:txBody>
       </p:sp>
@@ -13341,17 +13496,17 @@
           </a:prstGeom>
         </p:spPr>
         <p:style>
-          <a:lnRef idx="0">
-            <a:schemeClr val="dk1"/>
+          <a:lnRef idx="1">
+            <a:schemeClr val="accent3"/>
           </a:lnRef>
-          <a:fillRef idx="3">
-            <a:schemeClr val="dk1"/>
+          <a:fillRef idx="2">
+            <a:schemeClr val="accent3"/>
           </a:fillRef>
-          <a:effectRef idx="3">
-            <a:schemeClr val="dk1"/>
+          <a:effectRef idx="1">
+            <a:schemeClr val="accent3"/>
           </a:effectRef>
           <a:fontRef idx="minor">
-            <a:schemeClr val="lt1"/>
+            <a:schemeClr val="dk1"/>
           </a:fontRef>
         </p:style>
         <p:txBody>
@@ -13528,7 +13683,11 @@
               <a:buNone/>
             </a:pPr>
             <a:r>
-              <a:rPr lang="en-US" altLang="zh-CN" sz="2000" dirty="0"/>
+              <a:rPr lang="en-US" altLang="zh-CN" sz="2000" dirty="0">
+                <a:solidFill>
+                  <a:schemeClr val="tx1"/>
+                </a:solidFill>
+              </a:rPr>
               <a:t>function Middleware(meta, stream, next, end){</a:t>
             </a:r>
           </a:p>
@@ -13538,15 +13697,27 @@
               <a:buNone/>
             </a:pPr>
             <a:r>
-              <a:rPr lang="en-US" altLang="zh-CN" sz="2000" dirty="0"/>
+              <a:rPr lang="en-US" altLang="zh-CN" sz="2000" dirty="0">
+                <a:solidFill>
+                  <a:schemeClr val="tx1"/>
+                </a:solidFill>
+              </a:rPr>
               <a:t>	</a:t>
             </a:r>
             <a:r>
-              <a:rPr lang="zh-CN" altLang="en-US" sz="2000" dirty="0"/>
+              <a:rPr lang="zh-CN" altLang="en-US" sz="2000" dirty="0">
+                <a:solidFill>
+                  <a:schemeClr val="tx1"/>
+                </a:solidFill>
+              </a:rPr>
               <a:t>非流式处理</a:t>
             </a:r>
             <a:r>
-              <a:rPr lang="en-US" altLang="zh-CN" sz="2000" dirty="0"/>
+              <a:rPr lang="en-US" altLang="zh-CN" sz="2000" dirty="0">
+                <a:solidFill>
+                  <a:schemeClr val="tx1"/>
+                </a:solidFill>
+              </a:rPr>
               <a:t>meta……</a:t>
             </a:r>
           </a:p>
@@ -13556,15 +13727,27 @@
               <a:buNone/>
             </a:pPr>
             <a:r>
-              <a:rPr lang="en-US" altLang="zh-CN" sz="2000" dirty="0"/>
+              <a:rPr lang="en-US" altLang="zh-CN" sz="2000" dirty="0">
+                <a:solidFill>
+                  <a:schemeClr val="tx1"/>
+                </a:solidFill>
+              </a:rPr>
               <a:t>	</a:t>
             </a:r>
             <a:r>
-              <a:rPr lang="zh-CN" altLang="en-US" sz="2000" dirty="0"/>
+              <a:rPr lang="zh-CN" altLang="en-US" sz="2000" dirty="0">
+                <a:solidFill>
+                  <a:schemeClr val="tx1"/>
+                </a:solidFill>
+              </a:rPr>
               <a:t>流式处理</a:t>
             </a:r>
             <a:r>
-              <a:rPr lang="en-US" altLang="zh-CN" sz="2000" dirty="0"/>
+              <a:rPr lang="en-US" altLang="zh-CN" sz="2000" dirty="0">
+                <a:solidFill>
+                  <a:schemeClr val="tx1"/>
+                </a:solidFill>
+              </a:rPr>
               <a:t>stream……</a:t>
             </a:r>
           </a:p>
@@ -13574,15 +13757,27 @@
               <a:buNone/>
             </a:pPr>
             <a:r>
-              <a:rPr lang="en-US" altLang="zh-CN" sz="2000" dirty="0"/>
+              <a:rPr lang="en-US" altLang="zh-CN" sz="2000" dirty="0">
+                <a:solidFill>
+                  <a:schemeClr val="tx1"/>
+                </a:solidFill>
+              </a:rPr>
               <a:t>	</a:t>
             </a:r>
             <a:r>
-              <a:rPr lang="zh-CN" altLang="en-US" sz="2000" dirty="0"/>
+              <a:rPr lang="zh-CN" altLang="en-US" sz="2000" dirty="0">
+                <a:solidFill>
+                  <a:schemeClr val="tx1"/>
+                </a:solidFill>
+              </a:rPr>
               <a:t>输出</a:t>
             </a:r>
             <a:r>
-              <a:rPr lang="en-US" altLang="zh-CN" sz="2000" dirty="0"/>
+              <a:rPr lang="en-US" altLang="zh-CN" sz="2000" dirty="0">
+                <a:solidFill>
+                  <a:schemeClr val="tx1"/>
+                </a:solidFill>
+              </a:rPr>
               <a:t>(meta)</a:t>
             </a:r>
           </a:p>
@@ -13592,23 +13787,43 @@
               <a:buNone/>
             </a:pPr>
             <a:r>
-              <a:rPr lang="en-US" altLang="zh-CN" sz="2000" dirty="0"/>
+              <a:rPr lang="en-US" altLang="zh-CN" sz="2000" dirty="0">
+                <a:solidFill>
+                  <a:schemeClr val="tx1"/>
+                </a:solidFill>
+              </a:rPr>
               <a:t>	</a:t>
             </a:r>
             <a:r>
-              <a:rPr lang="en-US" altLang="zh-CN" sz="2000" dirty="0" err="1"/>
+              <a:rPr lang="en-US" altLang="zh-CN" sz="2000" dirty="0" err="1">
+                <a:solidFill>
+                  <a:schemeClr val="tx1"/>
+                </a:solidFill>
+              </a:rPr>
               <a:t>stream.pipe</a:t>
             </a:r>
             <a:r>
-              <a:rPr lang="en-US" altLang="zh-CN" sz="2000" dirty="0"/>
+              <a:rPr lang="en-US" altLang="zh-CN" sz="2000" dirty="0">
+                <a:solidFill>
+                  <a:schemeClr val="tx1"/>
+                </a:solidFill>
+              </a:rPr>
               <a:t>(</a:t>
             </a:r>
             <a:r>
-              <a:rPr lang="zh-CN" altLang="en-US" sz="2000" dirty="0"/>
+              <a:rPr lang="zh-CN" altLang="en-US" sz="2000" dirty="0">
+                <a:solidFill>
+                  <a:schemeClr val="tx1"/>
+                </a:solidFill>
+              </a:rPr>
               <a:t>其他流</a:t>
             </a:r>
             <a:r>
-              <a:rPr lang="en-US" altLang="zh-CN" sz="2000" dirty="0"/>
+              <a:rPr lang="en-US" altLang="zh-CN" sz="2000" dirty="0">
+                <a:solidFill>
+                  <a:schemeClr val="tx1"/>
+                </a:solidFill>
+              </a:rPr>
               <a:t>)</a:t>
             </a:r>
           </a:p>
@@ -13618,7 +13833,11 @@
               <a:buNone/>
             </a:pPr>
             <a:r>
-              <a:rPr lang="en-US" altLang="zh-CN" sz="2000" dirty="0"/>
+              <a:rPr lang="en-US" altLang="zh-CN" sz="2000" dirty="0">
+                <a:solidFill>
+                  <a:schemeClr val="tx1"/>
+                </a:solidFill>
+              </a:rPr>
               <a:t> 	next(meta, stream)</a:t>
             </a:r>
           </a:p>
@@ -13628,7 +13847,11 @@
               <a:buNone/>
             </a:pPr>
             <a:r>
-              <a:rPr lang="en-US" altLang="zh-CN" sz="2000" dirty="0"/>
+              <a:rPr lang="en-US" altLang="zh-CN" sz="2000" dirty="0">
+                <a:solidFill>
+                  <a:schemeClr val="tx1"/>
+                </a:solidFill>
+              </a:rPr>
               <a:t>	end()</a:t>
             </a:r>
           </a:p>
@@ -13638,10 +13861,18 @@
               <a:buNone/>
             </a:pPr>
             <a:r>
-              <a:rPr lang="en-US" altLang="zh-CN" sz="2000" dirty="0"/>
+              <a:rPr lang="en-US" altLang="zh-CN" sz="2000" dirty="0">
+                <a:solidFill>
+                  <a:schemeClr val="tx1"/>
+                </a:solidFill>
+              </a:rPr>
               <a:t>}</a:t>
             </a:r>
-            <a:endParaRPr lang="zh-CN" altLang="en-US" sz="2000" dirty="0"/>
+            <a:endParaRPr lang="zh-CN" altLang="en-US" sz="2000" dirty="0">
+              <a:solidFill>
+                <a:schemeClr val="tx1"/>
+              </a:solidFill>
+            </a:endParaRPr>
           </a:p>
         </p:txBody>
       </p:sp>
@@ -14412,11 +14643,7 @@
           <a:lstStyle/>
           <a:p>
             <a:r>
-              <a:rPr lang="zh-CN" altLang="en-US" dirty="0">
-                <a:solidFill>
-                  <a:schemeClr val="bg1"/>
-                </a:solidFill>
-              </a:rPr>
+              <a:rPr lang="zh-CN" altLang="en-US" dirty="0"/>
               <a:t>调用</a:t>
             </a:r>
           </a:p>
@@ -14451,11 +14678,7 @@
           <a:lstStyle/>
           <a:p>
             <a:r>
-              <a:rPr lang="zh-CN" altLang="en-US" dirty="0">
-                <a:solidFill>
-                  <a:schemeClr val="bg1"/>
-                </a:solidFill>
-              </a:rPr>
+              <a:rPr lang="zh-CN" altLang="en-US" dirty="0"/>
               <a:t>调用</a:t>
             </a:r>
           </a:p>
@@ -14490,11 +14713,7 @@
           <a:lstStyle/>
           <a:p>
             <a:r>
-              <a:rPr lang="zh-CN" altLang="en-US" dirty="0">
-                <a:solidFill>
-                  <a:schemeClr val="bg1"/>
-                </a:solidFill>
-              </a:rPr>
+              <a:rPr lang="zh-CN" altLang="en-US" dirty="0"/>
               <a:t>调用</a:t>
             </a:r>
           </a:p>
@@ -14555,7 +14774,7 @@
           <a:prstGeom prst="downArrow">
             <a:avLst/>
           </a:prstGeom>
-          <a:gradFill>
+          <a:gradFill flip="none" rotWithShape="1">
             <a:gsLst>
               <a:gs pos="0">
                 <a:schemeClr val="accent3">
@@ -14580,6 +14799,8 @@
                 </a:schemeClr>
               </a:gs>
             </a:gsLst>
+            <a:lin ang="10800000" scaled="1"/>
+            <a:tileRect/>
           </a:gradFill>
         </p:spPr>
         <p:style>
